--- a/Report/보고서에 첨부된 그림 및 자료/서브 디바이스 모듈 구성도.pptx
+++ b/Report/보고서에 첨부된 그림 및 자료/서브 디바이스 모듈 구성도.pptx
@@ -245,7 +245,7 @@
           <a:p>
             <a:fld id="{0C5A0B65-1D3E-47BC-84FF-54922DEA95BF}" type="datetimeFigureOut">
               <a:rPr lang="ko-KR" altLang="en-US" smtClean="0"/>
-              <a:t>2019-05-19</a:t>
+              <a:t>2019-05-25</a:t>
             </a:fld>
             <a:endParaRPr lang="ko-KR" altLang="en-US" dirty="0"/>
           </a:p>
@@ -415,7 +415,7 @@
           <a:p>
             <a:fld id="{0C5A0B65-1D3E-47BC-84FF-54922DEA95BF}" type="datetimeFigureOut">
               <a:rPr lang="ko-KR" altLang="en-US" smtClean="0"/>
-              <a:t>2019-05-19</a:t>
+              <a:t>2019-05-25</a:t>
             </a:fld>
             <a:endParaRPr lang="ko-KR" altLang="en-US" dirty="0"/>
           </a:p>
@@ -595,7 +595,7 @@
           <a:p>
             <a:fld id="{0C5A0B65-1D3E-47BC-84FF-54922DEA95BF}" type="datetimeFigureOut">
               <a:rPr lang="ko-KR" altLang="en-US" smtClean="0"/>
-              <a:t>2019-05-19</a:t>
+              <a:t>2019-05-25</a:t>
             </a:fld>
             <a:endParaRPr lang="ko-KR" altLang="en-US" dirty="0"/>
           </a:p>
@@ -765,7 +765,7 @@
           <a:p>
             <a:fld id="{0C5A0B65-1D3E-47BC-84FF-54922DEA95BF}" type="datetimeFigureOut">
               <a:rPr lang="ko-KR" altLang="en-US" smtClean="0"/>
-              <a:t>2019-05-19</a:t>
+              <a:t>2019-05-25</a:t>
             </a:fld>
             <a:endParaRPr lang="ko-KR" altLang="en-US" dirty="0"/>
           </a:p>
@@ -1009,7 +1009,7 @@
           <a:p>
             <a:fld id="{0C5A0B65-1D3E-47BC-84FF-54922DEA95BF}" type="datetimeFigureOut">
               <a:rPr lang="ko-KR" altLang="en-US" smtClean="0"/>
-              <a:t>2019-05-19</a:t>
+              <a:t>2019-05-25</a:t>
             </a:fld>
             <a:endParaRPr lang="ko-KR" altLang="en-US" dirty="0"/>
           </a:p>
@@ -1241,7 +1241,7 @@
           <a:p>
             <a:fld id="{0C5A0B65-1D3E-47BC-84FF-54922DEA95BF}" type="datetimeFigureOut">
               <a:rPr lang="ko-KR" altLang="en-US" smtClean="0"/>
-              <a:t>2019-05-19</a:t>
+              <a:t>2019-05-25</a:t>
             </a:fld>
             <a:endParaRPr lang="ko-KR" altLang="en-US" dirty="0"/>
           </a:p>
@@ -1608,7 +1608,7 @@
           <a:p>
             <a:fld id="{0C5A0B65-1D3E-47BC-84FF-54922DEA95BF}" type="datetimeFigureOut">
               <a:rPr lang="ko-KR" altLang="en-US" smtClean="0"/>
-              <a:t>2019-05-19</a:t>
+              <a:t>2019-05-25</a:t>
             </a:fld>
             <a:endParaRPr lang="ko-KR" altLang="en-US" dirty="0"/>
           </a:p>
@@ -1726,7 +1726,7 @@
           <a:p>
             <a:fld id="{0C5A0B65-1D3E-47BC-84FF-54922DEA95BF}" type="datetimeFigureOut">
               <a:rPr lang="ko-KR" altLang="en-US" smtClean="0"/>
-              <a:t>2019-05-19</a:t>
+              <a:t>2019-05-25</a:t>
             </a:fld>
             <a:endParaRPr lang="ko-KR" altLang="en-US" dirty="0"/>
           </a:p>
@@ -1821,7 +1821,7 @@
           <a:p>
             <a:fld id="{0C5A0B65-1D3E-47BC-84FF-54922DEA95BF}" type="datetimeFigureOut">
               <a:rPr lang="ko-KR" altLang="en-US" smtClean="0"/>
-              <a:t>2019-05-19</a:t>
+              <a:t>2019-05-25</a:t>
             </a:fld>
             <a:endParaRPr lang="ko-KR" altLang="en-US" dirty="0"/>
           </a:p>
@@ -2098,7 +2098,7 @@
           <a:p>
             <a:fld id="{0C5A0B65-1D3E-47BC-84FF-54922DEA95BF}" type="datetimeFigureOut">
               <a:rPr lang="ko-KR" altLang="en-US" smtClean="0"/>
-              <a:t>2019-05-19</a:t>
+              <a:t>2019-05-25</a:t>
             </a:fld>
             <a:endParaRPr lang="ko-KR" altLang="en-US" dirty="0"/>
           </a:p>
@@ -2355,7 +2355,7 @@
           <a:p>
             <a:fld id="{0C5A0B65-1D3E-47BC-84FF-54922DEA95BF}" type="datetimeFigureOut">
               <a:rPr lang="ko-KR" altLang="en-US" smtClean="0"/>
-              <a:t>2019-05-19</a:t>
+              <a:t>2019-05-25</a:t>
             </a:fld>
             <a:endParaRPr lang="ko-KR" altLang="en-US" dirty="0"/>
           </a:p>
@@ -2568,7 +2568,7 @@
           <a:p>
             <a:fld id="{0C5A0B65-1D3E-47BC-84FF-54922DEA95BF}" type="datetimeFigureOut">
               <a:rPr lang="ko-KR" altLang="en-US" smtClean="0"/>
-              <a:t>2019-05-19</a:t>
+              <a:t>2019-05-25</a:t>
             </a:fld>
             <a:endParaRPr lang="ko-KR" altLang="en-US" dirty="0"/>
           </a:p>
@@ -10120,12 +10120,16 @@
               <a:t>서버와 </a:t>
             </a:r>
             <a:r>
-              <a:rPr lang="en-US" altLang="ko-KR" sz="1100" dirty="0"/>
-              <a:t>MQTT</a:t>
+              <a:rPr lang="en-US" altLang="ko-KR" sz="1100"/>
+              <a:t>TCP/IP</a:t>
+            </a:r>
+            <a:r>
+              <a:rPr lang="ko-KR" altLang="en-US" sz="1100"/>
+              <a:t>를 </a:t>
             </a:r>
             <a:r>
               <a:rPr lang="ko-KR" altLang="en-US" sz="1100" dirty="0"/>
-              <a:t>를 사용해 연결하며 디바이스 플래그를 송신하고 디바이스 설정 값과 보상 신호를 수신한다</a:t>
+              <a:t>사용해 연결하며 디바이스 플래그를 송신하고 디바이스 설정 값과 보상 신호를 수신한다</a:t>
             </a:r>
             <a:r>
               <a:rPr lang="en-US" altLang="ko-KR" sz="1100" dirty="0"/>

--- a/Report/보고서에 첨부된 그림 및 자료/서브 디바이스 모듈 구성도.pptx
+++ b/Report/보고서에 첨부된 그림 및 자료/서브 디바이스 모듈 구성도.pptx
@@ -245,7 +245,7 @@
           <a:p>
             <a:fld id="{0C5A0B65-1D3E-47BC-84FF-54922DEA95BF}" type="datetimeFigureOut">
               <a:rPr lang="ko-KR" altLang="en-US" smtClean="0"/>
-              <a:t>2019-05-25</a:t>
+              <a:t>2019-06-09</a:t>
             </a:fld>
             <a:endParaRPr lang="ko-KR" altLang="en-US" dirty="0"/>
           </a:p>
@@ -415,7 +415,7 @@
           <a:p>
             <a:fld id="{0C5A0B65-1D3E-47BC-84FF-54922DEA95BF}" type="datetimeFigureOut">
               <a:rPr lang="ko-KR" altLang="en-US" smtClean="0"/>
-              <a:t>2019-05-25</a:t>
+              <a:t>2019-06-09</a:t>
             </a:fld>
             <a:endParaRPr lang="ko-KR" altLang="en-US" dirty="0"/>
           </a:p>
@@ -595,7 +595,7 @@
           <a:p>
             <a:fld id="{0C5A0B65-1D3E-47BC-84FF-54922DEA95BF}" type="datetimeFigureOut">
               <a:rPr lang="ko-KR" altLang="en-US" smtClean="0"/>
-              <a:t>2019-05-25</a:t>
+              <a:t>2019-06-09</a:t>
             </a:fld>
             <a:endParaRPr lang="ko-KR" altLang="en-US" dirty="0"/>
           </a:p>
@@ -765,7 +765,7 @@
           <a:p>
             <a:fld id="{0C5A0B65-1D3E-47BC-84FF-54922DEA95BF}" type="datetimeFigureOut">
               <a:rPr lang="ko-KR" altLang="en-US" smtClean="0"/>
-              <a:t>2019-05-25</a:t>
+              <a:t>2019-06-09</a:t>
             </a:fld>
             <a:endParaRPr lang="ko-KR" altLang="en-US" dirty="0"/>
           </a:p>
@@ -1009,7 +1009,7 @@
           <a:p>
             <a:fld id="{0C5A0B65-1D3E-47BC-84FF-54922DEA95BF}" type="datetimeFigureOut">
               <a:rPr lang="ko-KR" altLang="en-US" smtClean="0"/>
-              <a:t>2019-05-25</a:t>
+              <a:t>2019-06-09</a:t>
             </a:fld>
             <a:endParaRPr lang="ko-KR" altLang="en-US" dirty="0"/>
           </a:p>
@@ -1241,7 +1241,7 @@
           <a:p>
             <a:fld id="{0C5A0B65-1D3E-47BC-84FF-54922DEA95BF}" type="datetimeFigureOut">
               <a:rPr lang="ko-KR" altLang="en-US" smtClean="0"/>
-              <a:t>2019-05-25</a:t>
+              <a:t>2019-06-09</a:t>
             </a:fld>
             <a:endParaRPr lang="ko-KR" altLang="en-US" dirty="0"/>
           </a:p>
@@ -1608,7 +1608,7 @@
           <a:p>
             <a:fld id="{0C5A0B65-1D3E-47BC-84FF-54922DEA95BF}" type="datetimeFigureOut">
               <a:rPr lang="ko-KR" altLang="en-US" smtClean="0"/>
-              <a:t>2019-05-25</a:t>
+              <a:t>2019-06-09</a:t>
             </a:fld>
             <a:endParaRPr lang="ko-KR" altLang="en-US" dirty="0"/>
           </a:p>
@@ -1726,7 +1726,7 @@
           <a:p>
             <a:fld id="{0C5A0B65-1D3E-47BC-84FF-54922DEA95BF}" type="datetimeFigureOut">
               <a:rPr lang="ko-KR" altLang="en-US" smtClean="0"/>
-              <a:t>2019-05-25</a:t>
+              <a:t>2019-06-09</a:t>
             </a:fld>
             <a:endParaRPr lang="ko-KR" altLang="en-US" dirty="0"/>
           </a:p>
@@ -1821,7 +1821,7 @@
           <a:p>
             <a:fld id="{0C5A0B65-1D3E-47BC-84FF-54922DEA95BF}" type="datetimeFigureOut">
               <a:rPr lang="ko-KR" altLang="en-US" smtClean="0"/>
-              <a:t>2019-05-25</a:t>
+              <a:t>2019-06-09</a:t>
             </a:fld>
             <a:endParaRPr lang="ko-KR" altLang="en-US" dirty="0"/>
           </a:p>
@@ -2098,7 +2098,7 @@
           <a:p>
             <a:fld id="{0C5A0B65-1D3E-47BC-84FF-54922DEA95BF}" type="datetimeFigureOut">
               <a:rPr lang="ko-KR" altLang="en-US" smtClean="0"/>
-              <a:t>2019-05-25</a:t>
+              <a:t>2019-06-09</a:t>
             </a:fld>
             <a:endParaRPr lang="ko-KR" altLang="en-US" dirty="0"/>
           </a:p>
@@ -2355,7 +2355,7 @@
           <a:p>
             <a:fld id="{0C5A0B65-1D3E-47BC-84FF-54922DEA95BF}" type="datetimeFigureOut">
               <a:rPr lang="ko-KR" altLang="en-US" smtClean="0"/>
-              <a:t>2019-05-25</a:t>
+              <a:t>2019-06-09</a:t>
             </a:fld>
             <a:endParaRPr lang="ko-KR" altLang="en-US" dirty="0"/>
           </a:p>
@@ -2568,7 +2568,7 @@
           <a:p>
             <a:fld id="{0C5A0B65-1D3E-47BC-84FF-54922DEA95BF}" type="datetimeFigureOut">
               <a:rPr lang="ko-KR" altLang="en-US" smtClean="0"/>
-              <a:t>2019-05-25</a:t>
+              <a:t>2019-06-09</a:t>
             </a:fld>
             <a:endParaRPr lang="ko-KR" altLang="en-US" dirty="0"/>
           </a:p>
@@ -10908,6 +10908,430 @@
           </a:fontRef>
         </p:style>
       </p:cxnSp>
+      <p:sp>
+        <p:nvSpPr>
+          <p:cNvPr id="26" name="TextBox 25">
+            <a:extLst>
+              <a:ext uri="{FF2B5EF4-FFF2-40B4-BE49-F238E27FC236}">
+                <a16:creationId xmlns:a16="http://schemas.microsoft.com/office/drawing/2014/main" id="{9FBB3D5C-D37C-4DA9-820B-C7899E20F886}"/>
+              </a:ext>
+            </a:extLst>
+          </p:cNvPr>
+          <p:cNvSpPr txBox="1"/>
+          <p:nvPr/>
+        </p:nvSpPr>
+        <p:spPr>
+          <a:xfrm>
+            <a:off x="2096851" y="2466899"/>
+            <a:ext cx="1905280" cy="430887"/>
+          </a:xfrm>
+          <a:prstGeom prst="rect">
+            <a:avLst/>
+          </a:prstGeom>
+          <a:noFill/>
+        </p:spPr>
+        <p:txBody>
+          <a:bodyPr wrap="square" rtlCol="0">
+            <a:spAutoFit/>
+          </a:bodyPr>
+          <a:lstStyle/>
+          <a:p>
+            <a:r>
+              <a:rPr lang="en-US" altLang="ko-KR" sz="1100" dirty="0"/>
+              <a:t>Input : </a:t>
+            </a:r>
+            <a:r>
+              <a:rPr lang="ko-KR" altLang="en-US" sz="1100" dirty="0"/>
+              <a:t>디바이스 플래그</a:t>
+            </a:r>
+            <a:r>
+              <a:rPr lang="en-US" altLang="ko-KR" sz="1100" dirty="0"/>
+              <a:t>, </a:t>
+            </a:r>
+            <a:r>
+              <a:rPr lang="ko-KR" altLang="en-US" sz="1100" dirty="0"/>
+              <a:t>디바이스 설정 값</a:t>
+            </a:r>
+            <a:r>
+              <a:rPr lang="en-US" altLang="ko-KR" sz="1100" dirty="0"/>
+              <a:t>, </a:t>
+            </a:r>
+            <a:r>
+              <a:rPr lang="ko-KR" altLang="en-US" sz="1100" dirty="0"/>
+              <a:t>보상 신호</a:t>
+            </a:r>
+          </a:p>
+        </p:txBody>
+      </p:sp>
+      <p:sp>
+        <p:nvSpPr>
+          <p:cNvPr id="28" name="TextBox 27">
+            <a:extLst>
+              <a:ext uri="{FF2B5EF4-FFF2-40B4-BE49-F238E27FC236}">
+                <a16:creationId xmlns:a16="http://schemas.microsoft.com/office/drawing/2014/main" id="{01EA02C8-4127-4F0C-A18F-6C0073EFE824}"/>
+              </a:ext>
+            </a:extLst>
+          </p:cNvPr>
+          <p:cNvSpPr txBox="1"/>
+          <p:nvPr/>
+        </p:nvSpPr>
+        <p:spPr>
+          <a:xfrm>
+            <a:off x="2096851" y="4600830"/>
+            <a:ext cx="1905280" cy="430887"/>
+          </a:xfrm>
+          <a:prstGeom prst="rect">
+            <a:avLst/>
+          </a:prstGeom>
+          <a:noFill/>
+        </p:spPr>
+        <p:txBody>
+          <a:bodyPr wrap="square" rtlCol="0">
+            <a:spAutoFit/>
+          </a:bodyPr>
+          <a:lstStyle/>
+          <a:p>
+            <a:r>
+              <a:rPr lang="en-US" altLang="ko-KR" sz="1100" dirty="0"/>
+              <a:t>Output : </a:t>
+            </a:r>
+            <a:r>
+              <a:rPr lang="ko-KR" altLang="en-US" sz="1100" dirty="0"/>
+              <a:t>디바이스 플래그</a:t>
+            </a:r>
+            <a:r>
+              <a:rPr lang="en-US" altLang="ko-KR" sz="1100" dirty="0"/>
+              <a:t>, </a:t>
+            </a:r>
+            <a:r>
+              <a:rPr lang="ko-KR" altLang="en-US" sz="1100" dirty="0"/>
+              <a:t>디바이스 설정 값</a:t>
+            </a:r>
+            <a:r>
+              <a:rPr lang="en-US" altLang="ko-KR" sz="1100" dirty="0"/>
+              <a:t>, </a:t>
+            </a:r>
+            <a:r>
+              <a:rPr lang="ko-KR" altLang="en-US" sz="1100" dirty="0"/>
+              <a:t>보상 신호</a:t>
+            </a:r>
+          </a:p>
+        </p:txBody>
+      </p:sp>
+      <p:sp>
+        <p:nvSpPr>
+          <p:cNvPr id="29" name="TextBox 28">
+            <a:extLst>
+              <a:ext uri="{FF2B5EF4-FFF2-40B4-BE49-F238E27FC236}">
+                <a16:creationId xmlns:a16="http://schemas.microsoft.com/office/drawing/2014/main" id="{B89E08AE-69C2-43A8-9C3E-B4E9AF9D2B08}"/>
+              </a:ext>
+            </a:extLst>
+          </p:cNvPr>
+          <p:cNvSpPr txBox="1"/>
+          <p:nvPr/>
+        </p:nvSpPr>
+        <p:spPr>
+          <a:xfrm>
+            <a:off x="4333770" y="1353350"/>
+            <a:ext cx="1905280" cy="261610"/>
+          </a:xfrm>
+          <a:prstGeom prst="rect">
+            <a:avLst/>
+          </a:prstGeom>
+          <a:noFill/>
+        </p:spPr>
+        <p:txBody>
+          <a:bodyPr wrap="square" rtlCol="0">
+            <a:spAutoFit/>
+          </a:bodyPr>
+          <a:lstStyle/>
+          <a:p>
+            <a:r>
+              <a:rPr lang="en-US" altLang="ko-KR" sz="1100" dirty="0"/>
+              <a:t>Input : </a:t>
+            </a:r>
+            <a:r>
+              <a:rPr lang="ko-KR" altLang="en-US" sz="1100" dirty="0"/>
+              <a:t>디바이스 설정 값</a:t>
+            </a:r>
+          </a:p>
+        </p:txBody>
+      </p:sp>
+      <p:sp>
+        <p:nvSpPr>
+          <p:cNvPr id="33" name="TextBox 32">
+            <a:extLst>
+              <a:ext uri="{FF2B5EF4-FFF2-40B4-BE49-F238E27FC236}">
+                <a16:creationId xmlns:a16="http://schemas.microsoft.com/office/drawing/2014/main" id="{A78DDFDC-0DF7-4A2E-B6D5-74A5CB6D7179}"/>
+              </a:ext>
+            </a:extLst>
+          </p:cNvPr>
+          <p:cNvSpPr txBox="1"/>
+          <p:nvPr/>
+        </p:nvSpPr>
+        <p:spPr>
+          <a:xfrm>
+            <a:off x="6674140" y="1575639"/>
+            <a:ext cx="1533030" cy="430887"/>
+          </a:xfrm>
+          <a:prstGeom prst="rect">
+            <a:avLst/>
+          </a:prstGeom>
+          <a:noFill/>
+        </p:spPr>
+        <p:txBody>
+          <a:bodyPr wrap="square" rtlCol="0">
+            <a:spAutoFit/>
+          </a:bodyPr>
+          <a:lstStyle/>
+          <a:p>
+            <a:r>
+              <a:rPr lang="en-US" altLang="ko-KR" sz="1100" dirty="0"/>
+              <a:t>Input : V2</a:t>
+            </a:r>
+            <a:r>
+              <a:rPr lang="ko-KR" altLang="en-US" sz="1100" dirty="0"/>
+              <a:t> 카메라로 촬영한 영상</a:t>
+            </a:r>
+          </a:p>
+        </p:txBody>
+      </p:sp>
+      <p:cxnSp>
+        <p:nvCxnSpPr>
+          <p:cNvPr id="5" name="연결선: 꺾임 4">
+            <a:extLst>
+              <a:ext uri="{FF2B5EF4-FFF2-40B4-BE49-F238E27FC236}">
+                <a16:creationId xmlns:a16="http://schemas.microsoft.com/office/drawing/2014/main" id="{A4290C4D-0861-4B45-9866-B0DBB0B55FED}"/>
+              </a:ext>
+            </a:extLst>
+          </p:cNvPr>
+          <p:cNvCxnSpPr>
+            <a:stCxn id="66" idx="2"/>
+            <a:endCxn id="76" idx="0"/>
+          </p:cNvCxnSpPr>
+          <p:nvPr/>
+        </p:nvCxnSpPr>
+        <p:spPr>
+          <a:xfrm rot="5400000">
+            <a:off x="5848148" y="2440125"/>
+            <a:ext cx="940172" cy="2244842"/>
+          </a:xfrm>
+          <a:prstGeom prst="bentConnector3">
+            <a:avLst/>
+          </a:prstGeom>
+          <a:ln>
+            <a:solidFill>
+              <a:schemeClr val="tx1"/>
+            </a:solidFill>
+            <a:tailEnd type="triangle"/>
+          </a:ln>
+        </p:spPr>
+        <p:style>
+          <a:lnRef idx="1">
+            <a:schemeClr val="accent1"/>
+          </a:lnRef>
+          <a:fillRef idx="0">
+            <a:schemeClr val="accent1"/>
+          </a:fillRef>
+          <a:effectRef idx="0">
+            <a:schemeClr val="accent1"/>
+          </a:effectRef>
+          <a:fontRef idx="minor">
+            <a:schemeClr val="tx1"/>
+          </a:fontRef>
+        </p:style>
+      </p:cxnSp>
+      <p:sp>
+        <p:nvSpPr>
+          <p:cNvPr id="35" name="TextBox 34">
+            <a:extLst>
+              <a:ext uri="{FF2B5EF4-FFF2-40B4-BE49-F238E27FC236}">
+                <a16:creationId xmlns:a16="http://schemas.microsoft.com/office/drawing/2014/main" id="{CB56FD70-8E51-4066-B41C-7778BC505875}"/>
+              </a:ext>
+            </a:extLst>
+          </p:cNvPr>
+          <p:cNvSpPr txBox="1"/>
+          <p:nvPr/>
+        </p:nvSpPr>
+        <p:spPr>
+          <a:xfrm>
+            <a:off x="4256417" y="5313216"/>
+            <a:ext cx="1905280" cy="430887"/>
+          </a:xfrm>
+          <a:prstGeom prst="rect">
+            <a:avLst/>
+          </a:prstGeom>
+          <a:noFill/>
+        </p:spPr>
+        <p:txBody>
+          <a:bodyPr wrap="square" rtlCol="0">
+            <a:spAutoFit/>
+          </a:bodyPr>
+          <a:lstStyle/>
+          <a:p>
+            <a:r>
+              <a:rPr lang="en-US" altLang="ko-KR" sz="1100" dirty="0"/>
+              <a:t>Input</a:t>
+            </a:r>
+            <a:r>
+              <a:rPr lang="ko-KR" altLang="en-US" sz="1100" dirty="0"/>
+              <a:t> </a:t>
+            </a:r>
+            <a:r>
+              <a:rPr lang="en-US" altLang="ko-KR" sz="1100" dirty="0"/>
+              <a:t>:</a:t>
+            </a:r>
+            <a:r>
+              <a:rPr lang="ko-KR" altLang="en-US" sz="1100" dirty="0"/>
+              <a:t> 기능 수행 결과</a:t>
+            </a:r>
+            <a:endParaRPr lang="en-US" altLang="ko-KR" sz="1100" dirty="0"/>
+          </a:p>
+          <a:p>
+            <a:r>
+              <a:rPr lang="en-US" altLang="ko-KR" sz="1100" dirty="0"/>
+              <a:t>Output : </a:t>
+            </a:r>
+            <a:r>
+              <a:rPr lang="ko-KR" altLang="en-US" sz="1100" dirty="0"/>
+              <a:t>디바이스 플래그</a:t>
+            </a:r>
+          </a:p>
+        </p:txBody>
+      </p:sp>
+      <p:sp>
+        <p:nvSpPr>
+          <p:cNvPr id="36" name="TextBox 35">
+            <a:extLst>
+              <a:ext uri="{FF2B5EF4-FFF2-40B4-BE49-F238E27FC236}">
+                <a16:creationId xmlns:a16="http://schemas.microsoft.com/office/drawing/2014/main" id="{9DAE0C21-6E5E-43E3-BD0D-FA1909E2D71D}"/>
+              </a:ext>
+            </a:extLst>
+          </p:cNvPr>
+          <p:cNvSpPr txBox="1"/>
+          <p:nvPr/>
+        </p:nvSpPr>
+        <p:spPr>
+          <a:xfrm>
+            <a:off x="7400340" y="3476263"/>
+            <a:ext cx="1905280" cy="261610"/>
+          </a:xfrm>
+          <a:prstGeom prst="rect">
+            <a:avLst/>
+          </a:prstGeom>
+          <a:noFill/>
+        </p:spPr>
+        <p:txBody>
+          <a:bodyPr wrap="square" rtlCol="0">
+            <a:spAutoFit/>
+          </a:bodyPr>
+          <a:lstStyle/>
+          <a:p>
+            <a:r>
+              <a:rPr lang="en-US" altLang="ko-KR" sz="1100" dirty="0"/>
+              <a:t>Input : </a:t>
+            </a:r>
+            <a:r>
+              <a:rPr lang="ko-KR" altLang="en-US" sz="1100" dirty="0"/>
+              <a:t>보상 신호</a:t>
+            </a:r>
+          </a:p>
+        </p:txBody>
+      </p:sp>
+      <p:sp>
+        <p:nvSpPr>
+          <p:cNvPr id="37" name="TextBox 36">
+            <a:extLst>
+              <a:ext uri="{FF2B5EF4-FFF2-40B4-BE49-F238E27FC236}">
+                <a16:creationId xmlns:a16="http://schemas.microsoft.com/office/drawing/2014/main" id="{F09E148A-F8EC-4BB7-AD14-664349D807B6}"/>
+              </a:ext>
+            </a:extLst>
+          </p:cNvPr>
+          <p:cNvSpPr txBox="1"/>
+          <p:nvPr/>
+        </p:nvSpPr>
+        <p:spPr>
+          <a:xfrm>
+            <a:off x="6542399" y="4896340"/>
+            <a:ext cx="1905280" cy="430887"/>
+          </a:xfrm>
+          <a:prstGeom prst="rect">
+            <a:avLst/>
+          </a:prstGeom>
+          <a:noFill/>
+        </p:spPr>
+        <p:txBody>
+          <a:bodyPr wrap="square" rtlCol="0">
+            <a:spAutoFit/>
+          </a:bodyPr>
+          <a:lstStyle/>
+          <a:p>
+            <a:r>
+              <a:rPr lang="en-US" altLang="ko-KR" sz="1100" dirty="0"/>
+              <a:t>Output : </a:t>
+            </a:r>
+            <a:r>
+              <a:rPr lang="ko-KR" altLang="en-US" sz="1100" dirty="0"/>
+              <a:t>스피커</a:t>
+            </a:r>
+            <a:r>
+              <a:rPr lang="en-US" altLang="ko-KR" sz="1100" dirty="0"/>
+              <a:t>, </a:t>
+            </a:r>
+            <a:r>
+              <a:rPr lang="ko-KR" altLang="en-US" sz="1100" dirty="0"/>
+              <a:t>모터 작동 신호</a:t>
+            </a:r>
+            <a:r>
+              <a:rPr lang="en-US" altLang="ko-KR" sz="1100" dirty="0"/>
+              <a:t>, </a:t>
+            </a:r>
+            <a:r>
+              <a:rPr lang="ko-KR" altLang="en-US" sz="1100" dirty="0"/>
+              <a:t>보상 제공 완료 신호</a:t>
+            </a:r>
+          </a:p>
+        </p:txBody>
+      </p:sp>
+      <p:sp>
+        <p:nvSpPr>
+          <p:cNvPr id="38" name="TextBox 37">
+            <a:extLst>
+              <a:ext uri="{FF2B5EF4-FFF2-40B4-BE49-F238E27FC236}">
+                <a16:creationId xmlns:a16="http://schemas.microsoft.com/office/drawing/2014/main" id="{2C9B5D55-4E97-4231-867F-8B73A98013DB}"/>
+              </a:ext>
+            </a:extLst>
+          </p:cNvPr>
+          <p:cNvSpPr txBox="1"/>
+          <p:nvPr/>
+        </p:nvSpPr>
+        <p:spPr>
+          <a:xfrm>
+            <a:off x="7408364" y="3063488"/>
+            <a:ext cx="1905280" cy="261610"/>
+          </a:xfrm>
+          <a:prstGeom prst="rect">
+            <a:avLst/>
+          </a:prstGeom>
+          <a:noFill/>
+        </p:spPr>
+        <p:txBody>
+          <a:bodyPr wrap="square" rtlCol="0">
+            <a:spAutoFit/>
+          </a:bodyPr>
+          <a:lstStyle/>
+          <a:p>
+            <a:r>
+              <a:rPr lang="en-US" altLang="ko-KR" sz="1100" dirty="0"/>
+              <a:t>Output : </a:t>
+            </a:r>
+            <a:r>
+              <a:rPr lang="ko-KR" altLang="en-US" sz="1100" dirty="0"/>
+              <a:t>배변 훈련 결과</a:t>
+            </a:r>
+          </a:p>
+        </p:txBody>
+      </p:sp>
     </p:spTree>
     <p:extLst>
       <p:ext uri="{BB962C8B-B14F-4D97-AF65-F5344CB8AC3E}">
